--- a/apimasters-2024/img/api-value-pillars.pptx
+++ b/apimasters-2024/img/api-value-pillars.pptx
@@ -7,8 +7,8 @@
   <p:sldIdLst>
     <p:sldId id="256" r:id="rId2"/>
     <p:sldId id="257" r:id="rId3"/>
-    <p:sldId id="258" r:id="rId4"/>
-    <p:sldId id="259" r:id="rId5"/>
+    <p:sldId id="259" r:id="rId4"/>
+    <p:sldId id="258" r:id="rId5"/>
   </p:sldIdLst>
   <p:sldSz cx="12192000" cy="6858000"/>
   <p:notesSz cx="6858000" cy="9144000"/>
@@ -264,7 +264,7 @@
           <a:p>
             <a:fld id="{91605F25-4802-DD40-BE49-1D6AAEB4029E}" type="datetimeFigureOut">
               <a:rPr lang="en-CH" smtClean="0"/>
-              <a:t>08.07.2024</a:t>
+              <a:t>10.07.2024</a:t>
             </a:fld>
             <a:endParaRPr lang="en-CH"/>
           </a:p>
@@ -464,7 +464,7 @@
           <a:p>
             <a:fld id="{91605F25-4802-DD40-BE49-1D6AAEB4029E}" type="datetimeFigureOut">
               <a:rPr lang="en-CH" smtClean="0"/>
-              <a:t>08.07.2024</a:t>
+              <a:t>10.07.2024</a:t>
             </a:fld>
             <a:endParaRPr lang="en-CH"/>
           </a:p>
@@ -674,7 +674,7 @@
           <a:p>
             <a:fld id="{91605F25-4802-DD40-BE49-1D6AAEB4029E}" type="datetimeFigureOut">
               <a:rPr lang="en-CH" smtClean="0"/>
-              <a:t>08.07.2024</a:t>
+              <a:t>10.07.2024</a:t>
             </a:fld>
             <a:endParaRPr lang="en-CH"/>
           </a:p>
@@ -874,7 +874,7 @@
           <a:p>
             <a:fld id="{91605F25-4802-DD40-BE49-1D6AAEB4029E}" type="datetimeFigureOut">
               <a:rPr lang="en-CH" smtClean="0"/>
-              <a:t>08.07.2024</a:t>
+              <a:t>10.07.2024</a:t>
             </a:fld>
             <a:endParaRPr lang="en-CH"/>
           </a:p>
@@ -1150,7 +1150,7 @@
           <a:p>
             <a:fld id="{91605F25-4802-DD40-BE49-1D6AAEB4029E}" type="datetimeFigureOut">
               <a:rPr lang="en-CH" smtClean="0"/>
-              <a:t>08.07.2024</a:t>
+              <a:t>10.07.2024</a:t>
             </a:fld>
             <a:endParaRPr lang="en-CH"/>
           </a:p>
@@ -1418,7 +1418,7 @@
           <a:p>
             <a:fld id="{91605F25-4802-DD40-BE49-1D6AAEB4029E}" type="datetimeFigureOut">
               <a:rPr lang="en-CH" smtClean="0"/>
-              <a:t>08.07.2024</a:t>
+              <a:t>10.07.2024</a:t>
             </a:fld>
             <a:endParaRPr lang="en-CH"/>
           </a:p>
@@ -1833,7 +1833,7 @@
           <a:p>
             <a:fld id="{91605F25-4802-DD40-BE49-1D6AAEB4029E}" type="datetimeFigureOut">
               <a:rPr lang="en-CH" smtClean="0"/>
-              <a:t>08.07.2024</a:t>
+              <a:t>10.07.2024</a:t>
             </a:fld>
             <a:endParaRPr lang="en-CH"/>
           </a:p>
@@ -1975,7 +1975,7 @@
           <a:p>
             <a:fld id="{91605F25-4802-DD40-BE49-1D6AAEB4029E}" type="datetimeFigureOut">
               <a:rPr lang="en-CH" smtClean="0"/>
-              <a:t>08.07.2024</a:t>
+              <a:t>10.07.2024</a:t>
             </a:fld>
             <a:endParaRPr lang="en-CH"/>
           </a:p>
@@ -2088,7 +2088,7 @@
           <a:p>
             <a:fld id="{91605F25-4802-DD40-BE49-1D6AAEB4029E}" type="datetimeFigureOut">
               <a:rPr lang="en-CH" smtClean="0"/>
-              <a:t>08.07.2024</a:t>
+              <a:t>10.07.2024</a:t>
             </a:fld>
             <a:endParaRPr lang="en-CH"/>
           </a:p>
@@ -2401,7 +2401,7 @@
           <a:p>
             <a:fld id="{91605F25-4802-DD40-BE49-1D6AAEB4029E}" type="datetimeFigureOut">
               <a:rPr lang="en-CH" smtClean="0"/>
-              <a:t>08.07.2024</a:t>
+              <a:t>10.07.2024</a:t>
             </a:fld>
             <a:endParaRPr lang="en-CH"/>
           </a:p>
@@ -2690,7 +2690,7 @@
           <a:p>
             <a:fld id="{91605F25-4802-DD40-BE49-1D6AAEB4029E}" type="datetimeFigureOut">
               <a:rPr lang="en-CH" smtClean="0"/>
-              <a:t>08.07.2024</a:t>
+              <a:t>10.07.2024</a:t>
             </a:fld>
             <a:endParaRPr lang="en-CH"/>
           </a:p>
@@ -2933,7 +2933,7 @@
           <a:p>
             <a:fld id="{91605F25-4802-DD40-BE49-1D6AAEB4029E}" type="datetimeFigureOut">
               <a:rPr lang="en-CH" smtClean="0"/>
-              <a:t>08.07.2024</a:t>
+              <a:t>10.07.2024</a:t>
             </a:fld>
             <a:endParaRPr lang="en-CH"/>
           </a:p>
@@ -3362,6 +3362,58 @@
       </p:grpSpPr>
       <p:sp>
         <p:nvSpPr>
+          <p:cNvPr id="8" name="Can 7">
+            <a:extLst>
+              <a:ext uri="{FF2B5EF4-FFF2-40B4-BE49-F238E27FC236}">
+                <a16:creationId xmlns:a16="http://schemas.microsoft.com/office/drawing/2014/main" id="{7A458D47-012E-8E14-1827-B42E1BC9FECF}"/>
+              </a:ext>
+            </a:extLst>
+          </p:cNvPr>
+          <p:cNvSpPr/>
+          <p:nvPr/>
+        </p:nvSpPr>
+        <p:spPr>
+          <a:xfrm>
+            <a:off x="5009323" y="3525078"/>
+            <a:ext cx="2398644" cy="1338470"/>
+          </a:xfrm>
+          <a:prstGeom prst="can">
+            <a:avLst/>
+          </a:prstGeom>
+        </p:spPr>
+        <p:style>
+          <a:lnRef idx="2">
+            <a:schemeClr val="accent1">
+              <a:shade val="15000"/>
+            </a:schemeClr>
+          </a:lnRef>
+          <a:fillRef idx="1">
+            <a:schemeClr val="accent1"/>
+          </a:fillRef>
+          <a:effectRef idx="0">
+            <a:schemeClr val="accent1"/>
+          </a:effectRef>
+          <a:fontRef idx="minor">
+            <a:schemeClr val="lt1"/>
+          </a:fontRef>
+        </p:style>
+        <p:txBody>
+          <a:bodyPr rtlCol="0" anchor="ctr"/>
+          <a:lstStyle/>
+          <a:p>
+            <a:pPr algn="ctr"/>
+            <a:r>
+              <a:rPr lang="en-CH" sz="2400" dirty="0">
+                <a:latin typeface="Roboto" panose="02000000000000000000" pitchFamily="2" charset="0"/>
+                <a:ea typeface="Roboto" panose="02000000000000000000" pitchFamily="2" charset="0"/>
+              </a:rPr>
+              <a:t>Business</a:t>
+            </a:r>
+          </a:p>
+        </p:txBody>
+      </p:sp>
+      <p:sp>
+        <p:nvSpPr>
           <p:cNvPr id="6" name="Can 5">
             <a:extLst>
               <a:ext uri="{FF2B5EF4-FFF2-40B4-BE49-F238E27FC236}">
@@ -3426,58 +3478,6 @@
         </p:nvSpPr>
         <p:spPr>
           <a:xfrm>
-            <a:off x="5009323" y="3525078"/>
-            <a:ext cx="2398644" cy="1338470"/>
-          </a:xfrm>
-          <a:prstGeom prst="can">
-            <a:avLst/>
-          </a:prstGeom>
-        </p:spPr>
-        <p:style>
-          <a:lnRef idx="2">
-            <a:schemeClr val="accent1">
-              <a:shade val="15000"/>
-            </a:schemeClr>
-          </a:lnRef>
-          <a:fillRef idx="1">
-            <a:schemeClr val="accent1"/>
-          </a:fillRef>
-          <a:effectRef idx="0">
-            <a:schemeClr val="accent1"/>
-          </a:effectRef>
-          <a:fontRef idx="minor">
-            <a:schemeClr val="lt1"/>
-          </a:fontRef>
-        </p:style>
-        <p:txBody>
-          <a:bodyPr rtlCol="0" anchor="ctr"/>
-          <a:lstStyle/>
-          <a:p>
-            <a:pPr algn="ctr"/>
-            <a:r>
-              <a:rPr lang="en-CH" sz="2400" dirty="0">
-                <a:latin typeface="Roboto" panose="02000000000000000000" pitchFamily="2" charset="0"/>
-                <a:ea typeface="Roboto" panose="02000000000000000000" pitchFamily="2" charset="0"/>
-              </a:rPr>
-              <a:t>Organization</a:t>
-            </a:r>
-          </a:p>
-        </p:txBody>
-      </p:sp>
-      <p:sp>
-        <p:nvSpPr>
-          <p:cNvPr id="8" name="Can 7">
-            <a:extLst>
-              <a:ext uri="{FF2B5EF4-FFF2-40B4-BE49-F238E27FC236}">
-                <a16:creationId xmlns:a16="http://schemas.microsoft.com/office/drawing/2014/main" id="{7A458D47-012E-8E14-1827-B42E1BC9FECF}"/>
-              </a:ext>
-            </a:extLst>
-          </p:cNvPr>
-          <p:cNvSpPr/>
-          <p:nvPr/>
-        </p:nvSpPr>
-        <p:spPr>
-          <a:xfrm>
             <a:off x="7633255" y="3525078"/>
             <a:ext cx="2398644" cy="1338470"/>
           </a:xfrm>
@@ -3511,7 +3511,7 @@
                 <a:latin typeface="Roboto" panose="02000000000000000000" pitchFamily="2" charset="0"/>
                 <a:ea typeface="Roboto" panose="02000000000000000000" pitchFamily="2" charset="0"/>
               </a:rPr>
-              <a:t>Business</a:t>
+              <a:t>Organization</a:t>
             </a:r>
           </a:p>
         </p:txBody>
@@ -3589,62 +3589,10 @@
       </p:grpSpPr>
       <p:sp>
         <p:nvSpPr>
-          <p:cNvPr id="6" name="Can 5">
-            <a:extLst>
-              <a:ext uri="{FF2B5EF4-FFF2-40B4-BE49-F238E27FC236}">
-                <a16:creationId xmlns:a16="http://schemas.microsoft.com/office/drawing/2014/main" id="{99DBF3B7-4A74-D576-AC14-1831B785540A}"/>
-              </a:ext>
-            </a:extLst>
-          </p:cNvPr>
-          <p:cNvSpPr/>
-          <p:nvPr/>
-        </p:nvSpPr>
-        <p:spPr>
-          <a:xfrm>
-            <a:off x="2385391" y="3525078"/>
-            <a:ext cx="2398644" cy="1338470"/>
-          </a:xfrm>
-          <a:prstGeom prst="can">
-            <a:avLst/>
-          </a:prstGeom>
-        </p:spPr>
-        <p:style>
-          <a:lnRef idx="2">
-            <a:schemeClr val="accent1">
-              <a:shade val="15000"/>
-            </a:schemeClr>
-          </a:lnRef>
-          <a:fillRef idx="1">
-            <a:schemeClr val="accent1"/>
-          </a:fillRef>
-          <a:effectRef idx="0">
-            <a:schemeClr val="accent1"/>
-          </a:effectRef>
-          <a:fontRef idx="minor">
-            <a:schemeClr val="lt1"/>
-          </a:fontRef>
-        </p:style>
-        <p:txBody>
-          <a:bodyPr rtlCol="0" anchor="ctr"/>
-          <a:lstStyle/>
-          <a:p>
-            <a:pPr algn="ctr"/>
-            <a:r>
-              <a:rPr lang="en-CH" sz="2400" dirty="0">
-                <a:latin typeface="Roboto" panose="02000000000000000000" pitchFamily="2" charset="0"/>
-                <a:ea typeface="Roboto" panose="02000000000000000000" pitchFamily="2" charset="0"/>
-              </a:rPr>
-              <a:t>Technology</a:t>
-            </a:r>
-          </a:p>
-        </p:txBody>
-      </p:sp>
-      <p:sp>
-        <p:nvSpPr>
-          <p:cNvPr id="7" name="Can 6">
-            <a:extLst>
-              <a:ext uri="{FF2B5EF4-FFF2-40B4-BE49-F238E27FC236}">
-                <a16:creationId xmlns:a16="http://schemas.microsoft.com/office/drawing/2014/main" id="{B74E4ACD-7D22-D358-23C7-06945026D40C}"/>
+          <p:cNvPr id="8" name="Can 7">
+            <a:extLst>
+              <a:ext uri="{FF2B5EF4-FFF2-40B4-BE49-F238E27FC236}">
+                <a16:creationId xmlns:a16="http://schemas.microsoft.com/office/drawing/2014/main" id="{7A458D47-012E-8E14-1827-B42E1BC9FECF}"/>
               </a:ext>
             </a:extLst>
           </p:cNvPr>
@@ -3699,17 +3647,69 @@
                 <a:latin typeface="Roboto" panose="02000000000000000000" pitchFamily="2" charset="0"/>
                 <a:ea typeface="Roboto" panose="02000000000000000000" pitchFamily="2" charset="0"/>
               </a:rPr>
-              <a:t>Organization</a:t>
-            </a:r>
-          </a:p>
-        </p:txBody>
-      </p:sp>
-      <p:sp>
-        <p:nvSpPr>
-          <p:cNvPr id="8" name="Can 7">
-            <a:extLst>
-              <a:ext uri="{FF2B5EF4-FFF2-40B4-BE49-F238E27FC236}">
-                <a16:creationId xmlns:a16="http://schemas.microsoft.com/office/drawing/2014/main" id="{7A458D47-012E-8E14-1827-B42E1BC9FECF}"/>
+              <a:t>Business</a:t>
+            </a:r>
+          </a:p>
+        </p:txBody>
+      </p:sp>
+      <p:sp>
+        <p:nvSpPr>
+          <p:cNvPr id="6" name="Can 5">
+            <a:extLst>
+              <a:ext uri="{FF2B5EF4-FFF2-40B4-BE49-F238E27FC236}">
+                <a16:creationId xmlns:a16="http://schemas.microsoft.com/office/drawing/2014/main" id="{99DBF3B7-4A74-D576-AC14-1831B785540A}"/>
+              </a:ext>
+            </a:extLst>
+          </p:cNvPr>
+          <p:cNvSpPr/>
+          <p:nvPr/>
+        </p:nvSpPr>
+        <p:spPr>
+          <a:xfrm>
+            <a:off x="2385391" y="3525078"/>
+            <a:ext cx="2398644" cy="1338470"/>
+          </a:xfrm>
+          <a:prstGeom prst="can">
+            <a:avLst/>
+          </a:prstGeom>
+        </p:spPr>
+        <p:style>
+          <a:lnRef idx="2">
+            <a:schemeClr val="accent1">
+              <a:shade val="15000"/>
+            </a:schemeClr>
+          </a:lnRef>
+          <a:fillRef idx="1">
+            <a:schemeClr val="accent1"/>
+          </a:fillRef>
+          <a:effectRef idx="0">
+            <a:schemeClr val="accent1"/>
+          </a:effectRef>
+          <a:fontRef idx="minor">
+            <a:schemeClr val="lt1"/>
+          </a:fontRef>
+        </p:style>
+        <p:txBody>
+          <a:bodyPr rtlCol="0" anchor="ctr"/>
+          <a:lstStyle/>
+          <a:p>
+            <a:pPr algn="ctr"/>
+            <a:r>
+              <a:rPr lang="en-CH" sz="2400" dirty="0">
+                <a:latin typeface="Roboto" panose="02000000000000000000" pitchFamily="2" charset="0"/>
+                <a:ea typeface="Roboto" panose="02000000000000000000" pitchFamily="2" charset="0"/>
+              </a:rPr>
+              <a:t>Technology</a:t>
+            </a:r>
+          </a:p>
+        </p:txBody>
+      </p:sp>
+      <p:sp>
+        <p:nvSpPr>
+          <p:cNvPr id="7" name="Can 6">
+            <a:extLst>
+              <a:ext uri="{FF2B5EF4-FFF2-40B4-BE49-F238E27FC236}">
+                <a16:creationId xmlns:a16="http://schemas.microsoft.com/office/drawing/2014/main" id="{B74E4ACD-7D22-D358-23C7-06945026D40C}"/>
               </a:ext>
             </a:extLst>
           </p:cNvPr>
@@ -3764,7 +3764,7 @@
                 <a:latin typeface="Roboto" panose="02000000000000000000" pitchFamily="2" charset="0"/>
                 <a:ea typeface="Roboto" panose="02000000000000000000" pitchFamily="2" charset="0"/>
               </a:rPr>
-              <a:t>Business</a:t>
+              <a:t>Organization</a:t>
             </a:r>
           </a:p>
         </p:txBody>
@@ -3840,6 +3840,324 @@
           <a:chExt cx="0" cy="0"/>
         </a:xfrm>
       </p:grpSpPr>
+      <p:sp>
+        <p:nvSpPr>
+          <p:cNvPr id="8" name="Can 7">
+            <a:extLst>
+              <a:ext uri="{FF2B5EF4-FFF2-40B4-BE49-F238E27FC236}">
+                <a16:creationId xmlns:a16="http://schemas.microsoft.com/office/drawing/2014/main" id="{7A458D47-012E-8E14-1827-B42E1BC9FECF}"/>
+              </a:ext>
+            </a:extLst>
+          </p:cNvPr>
+          <p:cNvSpPr/>
+          <p:nvPr/>
+        </p:nvSpPr>
+        <p:spPr>
+          <a:xfrm>
+            <a:off x="5009323" y="3525078"/>
+            <a:ext cx="2398644" cy="1338470"/>
+          </a:xfrm>
+          <a:prstGeom prst="can">
+            <a:avLst/>
+          </a:prstGeom>
+        </p:spPr>
+        <p:style>
+          <a:lnRef idx="2">
+            <a:schemeClr val="accent1">
+              <a:shade val="15000"/>
+            </a:schemeClr>
+          </a:lnRef>
+          <a:fillRef idx="1">
+            <a:schemeClr val="accent1"/>
+          </a:fillRef>
+          <a:effectRef idx="0">
+            <a:schemeClr val="accent1"/>
+          </a:effectRef>
+          <a:fontRef idx="minor">
+            <a:schemeClr val="lt1"/>
+          </a:fontRef>
+        </p:style>
+        <p:txBody>
+          <a:bodyPr rtlCol="0" anchor="ctr"/>
+          <a:lstStyle/>
+          <a:p>
+            <a:pPr algn="ctr"/>
+            <a:r>
+              <a:rPr lang="en-CH" sz="2400" dirty="0">
+                <a:latin typeface="Roboto" panose="02000000000000000000" pitchFamily="2" charset="0"/>
+                <a:ea typeface="Roboto" panose="02000000000000000000" pitchFamily="2" charset="0"/>
+              </a:rPr>
+              <a:t>Business</a:t>
+            </a:r>
+          </a:p>
+        </p:txBody>
+      </p:sp>
+      <p:sp>
+        <p:nvSpPr>
+          <p:cNvPr id="6" name="Can 5">
+            <a:extLst>
+              <a:ext uri="{FF2B5EF4-FFF2-40B4-BE49-F238E27FC236}">
+                <a16:creationId xmlns:a16="http://schemas.microsoft.com/office/drawing/2014/main" id="{99DBF3B7-4A74-D576-AC14-1831B785540A}"/>
+              </a:ext>
+            </a:extLst>
+          </p:cNvPr>
+          <p:cNvSpPr/>
+          <p:nvPr/>
+        </p:nvSpPr>
+        <p:spPr>
+          <a:xfrm>
+            <a:off x="2385391" y="3525078"/>
+            <a:ext cx="2398644" cy="1338470"/>
+          </a:xfrm>
+          <a:prstGeom prst="can">
+            <a:avLst/>
+          </a:prstGeom>
+          <a:solidFill>
+            <a:schemeClr val="accent1">
+              <a:alpha val="30000"/>
+            </a:schemeClr>
+          </a:solidFill>
+          <a:ln>
+            <a:solidFill>
+              <a:schemeClr val="accent1">
+                <a:shade val="15000"/>
+                <a:alpha val="29000"/>
+              </a:schemeClr>
+            </a:solidFill>
+          </a:ln>
+        </p:spPr>
+        <p:style>
+          <a:lnRef idx="2">
+            <a:schemeClr val="accent1">
+              <a:shade val="15000"/>
+            </a:schemeClr>
+          </a:lnRef>
+          <a:fillRef idx="1">
+            <a:schemeClr val="accent1"/>
+          </a:fillRef>
+          <a:effectRef idx="0">
+            <a:schemeClr val="accent1"/>
+          </a:effectRef>
+          <a:fontRef idx="minor">
+            <a:schemeClr val="lt1"/>
+          </a:fontRef>
+        </p:style>
+        <p:txBody>
+          <a:bodyPr rtlCol="0" anchor="ctr"/>
+          <a:lstStyle/>
+          <a:p>
+            <a:pPr algn="ctr"/>
+            <a:r>
+              <a:rPr lang="en-CH" sz="2400" dirty="0">
+                <a:latin typeface="Roboto" panose="02000000000000000000" pitchFamily="2" charset="0"/>
+                <a:ea typeface="Roboto" panose="02000000000000000000" pitchFamily="2" charset="0"/>
+              </a:rPr>
+              <a:t>Technology</a:t>
+            </a:r>
+          </a:p>
+        </p:txBody>
+      </p:sp>
+      <p:sp>
+        <p:nvSpPr>
+          <p:cNvPr id="7" name="Can 6">
+            <a:extLst>
+              <a:ext uri="{FF2B5EF4-FFF2-40B4-BE49-F238E27FC236}">
+                <a16:creationId xmlns:a16="http://schemas.microsoft.com/office/drawing/2014/main" id="{B74E4ACD-7D22-D358-23C7-06945026D40C}"/>
+              </a:ext>
+            </a:extLst>
+          </p:cNvPr>
+          <p:cNvSpPr/>
+          <p:nvPr/>
+        </p:nvSpPr>
+        <p:spPr>
+          <a:xfrm>
+            <a:off x="7633255" y="3525078"/>
+            <a:ext cx="2398644" cy="1338470"/>
+          </a:xfrm>
+          <a:prstGeom prst="can">
+            <a:avLst/>
+          </a:prstGeom>
+          <a:solidFill>
+            <a:schemeClr val="accent1">
+              <a:alpha val="30000"/>
+            </a:schemeClr>
+          </a:solidFill>
+          <a:ln>
+            <a:solidFill>
+              <a:schemeClr val="accent1">
+                <a:shade val="15000"/>
+                <a:alpha val="29000"/>
+              </a:schemeClr>
+            </a:solidFill>
+          </a:ln>
+        </p:spPr>
+        <p:style>
+          <a:lnRef idx="2">
+            <a:schemeClr val="accent1">
+              <a:shade val="15000"/>
+            </a:schemeClr>
+          </a:lnRef>
+          <a:fillRef idx="1">
+            <a:schemeClr val="accent1"/>
+          </a:fillRef>
+          <a:effectRef idx="0">
+            <a:schemeClr val="accent1"/>
+          </a:effectRef>
+          <a:fontRef idx="minor">
+            <a:schemeClr val="lt1"/>
+          </a:fontRef>
+        </p:style>
+        <p:txBody>
+          <a:bodyPr rtlCol="0" anchor="ctr"/>
+          <a:lstStyle/>
+          <a:p>
+            <a:pPr algn="ctr"/>
+            <a:r>
+              <a:rPr lang="en-CH" sz="2400" dirty="0">
+                <a:latin typeface="Roboto" panose="02000000000000000000" pitchFamily="2" charset="0"/>
+                <a:ea typeface="Roboto" panose="02000000000000000000" pitchFamily="2" charset="0"/>
+              </a:rPr>
+              <a:t>Organization</a:t>
+            </a:r>
+          </a:p>
+        </p:txBody>
+      </p:sp>
+      <p:sp>
+        <p:nvSpPr>
+          <p:cNvPr id="9" name="TextBox 8">
+            <a:extLst>
+              <a:ext uri="{FF2B5EF4-FFF2-40B4-BE49-F238E27FC236}">
+                <a16:creationId xmlns:a16="http://schemas.microsoft.com/office/drawing/2014/main" id="{78EDCE07-5596-F794-66EE-C82124D1B619}"/>
+              </a:ext>
+            </a:extLst>
+          </p:cNvPr>
+          <p:cNvSpPr txBox="1"/>
+          <p:nvPr/>
+        </p:nvSpPr>
+        <p:spPr>
+          <a:xfrm>
+            <a:off x="2385391" y="1587382"/>
+            <a:ext cx="7882286" cy="2215991"/>
+          </a:xfrm>
+          <a:prstGeom prst="rect">
+            <a:avLst/>
+          </a:prstGeom>
+          <a:noFill/>
+        </p:spPr>
+        <p:txBody>
+          <a:bodyPr wrap="none" rtlCol="0">
+            <a:spAutoFit/>
+          </a:bodyPr>
+          <a:lstStyle/>
+          <a:p>
+            <a:r>
+              <a:rPr lang="en-CH" sz="13800" dirty="0">
+                <a:solidFill>
+                  <a:schemeClr val="accent1"/>
+                </a:solidFill>
+                <a:latin typeface="Roboto" panose="02000000000000000000" pitchFamily="2" charset="0"/>
+                <a:ea typeface="Roboto" panose="02000000000000000000" pitchFamily="2" charset="0"/>
+              </a:rPr>
+              <a:t>API Value</a:t>
+            </a:r>
+          </a:p>
+        </p:txBody>
+      </p:sp>
+    </p:spTree>
+    <p:extLst>
+      <p:ext uri="{BB962C8B-B14F-4D97-AF65-F5344CB8AC3E}">
+        <p14:creationId xmlns:p14="http://schemas.microsoft.com/office/powerpoint/2010/main" val="1275597254"/>
+      </p:ext>
+    </p:extLst>
+  </p:cSld>
+  <p:clrMapOvr>
+    <a:masterClrMapping/>
+  </p:clrMapOvr>
+</p:sld>
+</file>
+
+<file path=ppt/slides/slide4.xml><?xml version="1.0" encoding="utf-8"?>
+<p:sld xmlns:a="http://schemas.openxmlformats.org/drawingml/2006/main" xmlns:r="http://schemas.openxmlformats.org/officeDocument/2006/relationships" xmlns:p="http://schemas.openxmlformats.org/presentationml/2006/main">
+  <p:cSld>
+    <p:spTree>
+      <p:nvGrpSpPr>
+        <p:cNvPr id="1" name=""/>
+        <p:cNvGrpSpPr/>
+        <p:nvPr/>
+      </p:nvGrpSpPr>
+      <p:grpSpPr>
+        <a:xfrm>
+          <a:off x="0" y="0"/>
+          <a:ext cx="0" cy="0"/>
+          <a:chOff x="0" y="0"/>
+          <a:chExt cx="0" cy="0"/>
+        </a:xfrm>
+      </p:grpSpPr>
+      <p:sp>
+        <p:nvSpPr>
+          <p:cNvPr id="8" name="Can 7">
+            <a:extLst>
+              <a:ext uri="{FF2B5EF4-FFF2-40B4-BE49-F238E27FC236}">
+                <a16:creationId xmlns:a16="http://schemas.microsoft.com/office/drawing/2014/main" id="{7A458D47-012E-8E14-1827-B42E1BC9FECF}"/>
+              </a:ext>
+            </a:extLst>
+          </p:cNvPr>
+          <p:cNvSpPr/>
+          <p:nvPr/>
+        </p:nvSpPr>
+        <p:spPr>
+          <a:xfrm>
+            <a:off x="5009323" y="3525078"/>
+            <a:ext cx="2398644" cy="1338470"/>
+          </a:xfrm>
+          <a:prstGeom prst="can">
+            <a:avLst/>
+          </a:prstGeom>
+          <a:solidFill>
+            <a:schemeClr val="accent1">
+              <a:alpha val="30139"/>
+            </a:schemeClr>
+          </a:solidFill>
+          <a:ln>
+            <a:solidFill>
+              <a:schemeClr val="accent1">
+                <a:shade val="15000"/>
+                <a:alpha val="29772"/>
+              </a:schemeClr>
+            </a:solidFill>
+          </a:ln>
+        </p:spPr>
+        <p:style>
+          <a:lnRef idx="2">
+            <a:schemeClr val="accent1">
+              <a:shade val="15000"/>
+            </a:schemeClr>
+          </a:lnRef>
+          <a:fillRef idx="1">
+            <a:schemeClr val="accent1"/>
+          </a:fillRef>
+          <a:effectRef idx="0">
+            <a:schemeClr val="accent1"/>
+          </a:effectRef>
+          <a:fontRef idx="minor">
+            <a:schemeClr val="lt1"/>
+          </a:fontRef>
+        </p:style>
+        <p:txBody>
+          <a:bodyPr rtlCol="0" anchor="ctr"/>
+          <a:lstStyle/>
+          <a:p>
+            <a:pPr algn="ctr"/>
+            <a:r>
+              <a:rPr lang="en-CH" sz="2400" dirty="0">
+                <a:latin typeface="Roboto" panose="02000000000000000000" pitchFamily="2" charset="0"/>
+                <a:ea typeface="Roboto" panose="02000000000000000000" pitchFamily="2" charset="0"/>
+              </a:rPr>
+              <a:t>Business</a:t>
+            </a:r>
+          </a:p>
+        </p:txBody>
+      </p:sp>
       <p:sp>
         <p:nvSpPr>
           <p:cNvPr id="6" name="Can 5">
@@ -3919,324 +4237,6 @@
         </p:nvSpPr>
         <p:spPr>
           <a:xfrm>
-            <a:off x="5009323" y="3525078"/>
-            <a:ext cx="2398644" cy="1338470"/>
-          </a:xfrm>
-          <a:prstGeom prst="can">
-            <a:avLst/>
-          </a:prstGeom>
-        </p:spPr>
-        <p:style>
-          <a:lnRef idx="2">
-            <a:schemeClr val="accent1">
-              <a:shade val="15000"/>
-            </a:schemeClr>
-          </a:lnRef>
-          <a:fillRef idx="1">
-            <a:schemeClr val="accent1"/>
-          </a:fillRef>
-          <a:effectRef idx="0">
-            <a:schemeClr val="accent1"/>
-          </a:effectRef>
-          <a:fontRef idx="minor">
-            <a:schemeClr val="lt1"/>
-          </a:fontRef>
-        </p:style>
-        <p:txBody>
-          <a:bodyPr rtlCol="0" anchor="ctr"/>
-          <a:lstStyle/>
-          <a:p>
-            <a:pPr algn="ctr"/>
-            <a:r>
-              <a:rPr lang="en-CH" sz="2400" dirty="0">
-                <a:latin typeface="Roboto" panose="02000000000000000000" pitchFamily="2" charset="0"/>
-                <a:ea typeface="Roboto" panose="02000000000000000000" pitchFamily="2" charset="0"/>
-              </a:rPr>
-              <a:t>Organization</a:t>
-            </a:r>
-          </a:p>
-        </p:txBody>
-      </p:sp>
-      <p:sp>
-        <p:nvSpPr>
-          <p:cNvPr id="8" name="Can 7">
-            <a:extLst>
-              <a:ext uri="{FF2B5EF4-FFF2-40B4-BE49-F238E27FC236}">
-                <a16:creationId xmlns:a16="http://schemas.microsoft.com/office/drawing/2014/main" id="{7A458D47-012E-8E14-1827-B42E1BC9FECF}"/>
-              </a:ext>
-            </a:extLst>
-          </p:cNvPr>
-          <p:cNvSpPr/>
-          <p:nvPr/>
-        </p:nvSpPr>
-        <p:spPr>
-          <a:xfrm>
-            <a:off x="7633255" y="3525078"/>
-            <a:ext cx="2398644" cy="1338470"/>
-          </a:xfrm>
-          <a:prstGeom prst="can">
-            <a:avLst/>
-          </a:prstGeom>
-          <a:solidFill>
-            <a:schemeClr val="accent1">
-              <a:alpha val="30139"/>
-            </a:schemeClr>
-          </a:solidFill>
-          <a:ln>
-            <a:solidFill>
-              <a:schemeClr val="accent1">
-                <a:shade val="15000"/>
-                <a:alpha val="29772"/>
-              </a:schemeClr>
-            </a:solidFill>
-          </a:ln>
-        </p:spPr>
-        <p:style>
-          <a:lnRef idx="2">
-            <a:schemeClr val="accent1">
-              <a:shade val="15000"/>
-            </a:schemeClr>
-          </a:lnRef>
-          <a:fillRef idx="1">
-            <a:schemeClr val="accent1"/>
-          </a:fillRef>
-          <a:effectRef idx="0">
-            <a:schemeClr val="accent1"/>
-          </a:effectRef>
-          <a:fontRef idx="minor">
-            <a:schemeClr val="lt1"/>
-          </a:fontRef>
-        </p:style>
-        <p:txBody>
-          <a:bodyPr rtlCol="0" anchor="ctr"/>
-          <a:lstStyle/>
-          <a:p>
-            <a:pPr algn="ctr"/>
-            <a:r>
-              <a:rPr lang="en-CH" sz="2400" dirty="0">
-                <a:latin typeface="Roboto" panose="02000000000000000000" pitchFamily="2" charset="0"/>
-                <a:ea typeface="Roboto" panose="02000000000000000000" pitchFamily="2" charset="0"/>
-              </a:rPr>
-              <a:t>Business</a:t>
-            </a:r>
-          </a:p>
-        </p:txBody>
-      </p:sp>
-      <p:sp>
-        <p:nvSpPr>
-          <p:cNvPr id="9" name="TextBox 8">
-            <a:extLst>
-              <a:ext uri="{FF2B5EF4-FFF2-40B4-BE49-F238E27FC236}">
-                <a16:creationId xmlns:a16="http://schemas.microsoft.com/office/drawing/2014/main" id="{78EDCE07-5596-F794-66EE-C82124D1B619}"/>
-              </a:ext>
-            </a:extLst>
-          </p:cNvPr>
-          <p:cNvSpPr txBox="1"/>
-          <p:nvPr/>
-        </p:nvSpPr>
-        <p:spPr>
-          <a:xfrm>
-            <a:off x="2385391" y="1587382"/>
-            <a:ext cx="7882286" cy="2215991"/>
-          </a:xfrm>
-          <a:prstGeom prst="rect">
-            <a:avLst/>
-          </a:prstGeom>
-          <a:noFill/>
-        </p:spPr>
-        <p:txBody>
-          <a:bodyPr wrap="none" rtlCol="0">
-            <a:spAutoFit/>
-          </a:bodyPr>
-          <a:lstStyle/>
-          <a:p>
-            <a:r>
-              <a:rPr lang="en-CH" sz="13800" dirty="0">
-                <a:solidFill>
-                  <a:schemeClr val="accent1"/>
-                </a:solidFill>
-                <a:latin typeface="Roboto" panose="02000000000000000000" pitchFamily="2" charset="0"/>
-                <a:ea typeface="Roboto" panose="02000000000000000000" pitchFamily="2" charset="0"/>
-              </a:rPr>
-              <a:t>API Value</a:t>
-            </a:r>
-          </a:p>
-        </p:txBody>
-      </p:sp>
-    </p:spTree>
-    <p:extLst>
-      <p:ext uri="{BB962C8B-B14F-4D97-AF65-F5344CB8AC3E}">
-        <p14:creationId xmlns:p14="http://schemas.microsoft.com/office/powerpoint/2010/main" val="2800179137"/>
-      </p:ext>
-    </p:extLst>
-  </p:cSld>
-  <p:clrMapOvr>
-    <a:masterClrMapping/>
-  </p:clrMapOvr>
-</p:sld>
-</file>
-
-<file path=ppt/slides/slide4.xml><?xml version="1.0" encoding="utf-8"?>
-<p:sld xmlns:a="http://schemas.openxmlformats.org/drawingml/2006/main" xmlns:r="http://schemas.openxmlformats.org/officeDocument/2006/relationships" xmlns:p="http://schemas.openxmlformats.org/presentationml/2006/main">
-  <p:cSld>
-    <p:spTree>
-      <p:nvGrpSpPr>
-        <p:cNvPr id="1" name=""/>
-        <p:cNvGrpSpPr/>
-        <p:nvPr/>
-      </p:nvGrpSpPr>
-      <p:grpSpPr>
-        <a:xfrm>
-          <a:off x="0" y="0"/>
-          <a:ext cx="0" cy="0"/>
-          <a:chOff x="0" y="0"/>
-          <a:chExt cx="0" cy="0"/>
-        </a:xfrm>
-      </p:grpSpPr>
-      <p:sp>
-        <p:nvSpPr>
-          <p:cNvPr id="6" name="Can 5">
-            <a:extLst>
-              <a:ext uri="{FF2B5EF4-FFF2-40B4-BE49-F238E27FC236}">
-                <a16:creationId xmlns:a16="http://schemas.microsoft.com/office/drawing/2014/main" id="{99DBF3B7-4A74-D576-AC14-1831B785540A}"/>
-              </a:ext>
-            </a:extLst>
-          </p:cNvPr>
-          <p:cNvSpPr/>
-          <p:nvPr/>
-        </p:nvSpPr>
-        <p:spPr>
-          <a:xfrm>
-            <a:off x="2385391" y="3525078"/>
-            <a:ext cx="2398644" cy="1338470"/>
-          </a:xfrm>
-          <a:prstGeom prst="can">
-            <a:avLst/>
-          </a:prstGeom>
-          <a:solidFill>
-            <a:schemeClr val="accent1">
-              <a:alpha val="30000"/>
-            </a:schemeClr>
-          </a:solidFill>
-          <a:ln>
-            <a:solidFill>
-              <a:schemeClr val="accent1">
-                <a:shade val="15000"/>
-                <a:alpha val="29000"/>
-              </a:schemeClr>
-            </a:solidFill>
-          </a:ln>
-        </p:spPr>
-        <p:style>
-          <a:lnRef idx="2">
-            <a:schemeClr val="accent1">
-              <a:shade val="15000"/>
-            </a:schemeClr>
-          </a:lnRef>
-          <a:fillRef idx="1">
-            <a:schemeClr val="accent1"/>
-          </a:fillRef>
-          <a:effectRef idx="0">
-            <a:schemeClr val="accent1"/>
-          </a:effectRef>
-          <a:fontRef idx="minor">
-            <a:schemeClr val="lt1"/>
-          </a:fontRef>
-        </p:style>
-        <p:txBody>
-          <a:bodyPr rtlCol="0" anchor="ctr"/>
-          <a:lstStyle/>
-          <a:p>
-            <a:pPr algn="ctr"/>
-            <a:r>
-              <a:rPr lang="en-CH" sz="2400" dirty="0">
-                <a:latin typeface="Roboto" panose="02000000000000000000" pitchFamily="2" charset="0"/>
-                <a:ea typeface="Roboto" panose="02000000000000000000" pitchFamily="2" charset="0"/>
-              </a:rPr>
-              <a:t>Technology</a:t>
-            </a:r>
-          </a:p>
-        </p:txBody>
-      </p:sp>
-      <p:sp>
-        <p:nvSpPr>
-          <p:cNvPr id="7" name="Can 6">
-            <a:extLst>
-              <a:ext uri="{FF2B5EF4-FFF2-40B4-BE49-F238E27FC236}">
-                <a16:creationId xmlns:a16="http://schemas.microsoft.com/office/drawing/2014/main" id="{B74E4ACD-7D22-D358-23C7-06945026D40C}"/>
-              </a:ext>
-            </a:extLst>
-          </p:cNvPr>
-          <p:cNvSpPr/>
-          <p:nvPr/>
-        </p:nvSpPr>
-        <p:spPr>
-          <a:xfrm>
-            <a:off x="5009323" y="3525078"/>
-            <a:ext cx="2398644" cy="1338470"/>
-          </a:xfrm>
-          <a:prstGeom prst="can">
-            <a:avLst/>
-          </a:prstGeom>
-          <a:solidFill>
-            <a:schemeClr val="accent1">
-              <a:alpha val="30000"/>
-            </a:schemeClr>
-          </a:solidFill>
-          <a:ln>
-            <a:solidFill>
-              <a:schemeClr val="accent1">
-                <a:shade val="15000"/>
-                <a:alpha val="29000"/>
-              </a:schemeClr>
-            </a:solidFill>
-          </a:ln>
-        </p:spPr>
-        <p:style>
-          <a:lnRef idx="2">
-            <a:schemeClr val="accent1">
-              <a:shade val="15000"/>
-            </a:schemeClr>
-          </a:lnRef>
-          <a:fillRef idx="1">
-            <a:schemeClr val="accent1"/>
-          </a:fillRef>
-          <a:effectRef idx="0">
-            <a:schemeClr val="accent1"/>
-          </a:effectRef>
-          <a:fontRef idx="minor">
-            <a:schemeClr val="lt1"/>
-          </a:fontRef>
-        </p:style>
-        <p:txBody>
-          <a:bodyPr rtlCol="0" anchor="ctr"/>
-          <a:lstStyle/>
-          <a:p>
-            <a:pPr algn="ctr"/>
-            <a:r>
-              <a:rPr lang="en-CH" sz="2400" dirty="0">
-                <a:latin typeface="Roboto" panose="02000000000000000000" pitchFamily="2" charset="0"/>
-                <a:ea typeface="Roboto" panose="02000000000000000000" pitchFamily="2" charset="0"/>
-              </a:rPr>
-              <a:t>Organization</a:t>
-            </a:r>
-          </a:p>
-        </p:txBody>
-      </p:sp>
-      <p:sp>
-        <p:nvSpPr>
-          <p:cNvPr id="8" name="Can 7">
-            <a:extLst>
-              <a:ext uri="{FF2B5EF4-FFF2-40B4-BE49-F238E27FC236}">
-                <a16:creationId xmlns:a16="http://schemas.microsoft.com/office/drawing/2014/main" id="{7A458D47-012E-8E14-1827-B42E1BC9FECF}"/>
-              </a:ext>
-            </a:extLst>
-          </p:cNvPr>
-          <p:cNvSpPr/>
-          <p:nvPr/>
-        </p:nvSpPr>
-        <p:spPr>
-          <a:xfrm>
             <a:off x="7633255" y="3525078"/>
             <a:ext cx="2398644" cy="1338470"/>
           </a:xfrm>
@@ -4270,7 +4270,7 @@
                 <a:latin typeface="Roboto" panose="02000000000000000000" pitchFamily="2" charset="0"/>
                 <a:ea typeface="Roboto" panose="02000000000000000000" pitchFamily="2" charset="0"/>
               </a:rPr>
-              <a:t>Business</a:t>
+              <a:t>Organization</a:t>
             </a:r>
           </a:p>
         </p:txBody>
@@ -4319,7 +4319,7 @@
     </p:spTree>
     <p:extLst>
       <p:ext uri="{BB962C8B-B14F-4D97-AF65-F5344CB8AC3E}">
-        <p14:creationId xmlns:p14="http://schemas.microsoft.com/office/powerpoint/2010/main" val="1275597254"/>
+        <p14:creationId xmlns:p14="http://schemas.microsoft.com/office/powerpoint/2010/main" val="2800179137"/>
       </p:ext>
     </p:extLst>
   </p:cSld>
